--- a/reports/Final Presentation - Group1.pptx
+++ b/reports/Final Presentation - Group1.pptx
@@ -5,22 +5,19 @@
     <p:sldMasterId id="2147483648" r:id="rId1"/>
   </p:sldMasterIdLst>
   <p:notesMasterIdLst>
-    <p:notesMasterId r:id="rId15"/>
+    <p:notesMasterId r:id="rId12"/>
   </p:notesMasterIdLst>
   <p:sldIdLst>
     <p:sldId id="256" r:id="rId2"/>
-    <p:sldId id="269" r:id="rId3"/>
-    <p:sldId id="270" r:id="rId4"/>
-    <p:sldId id="271" r:id="rId5"/>
-    <p:sldId id="273" r:id="rId6"/>
-    <p:sldId id="274" r:id="rId7"/>
-    <p:sldId id="275" r:id="rId8"/>
+    <p:sldId id="283" r:id="rId3"/>
+    <p:sldId id="269" r:id="rId4"/>
+    <p:sldId id="270" r:id="rId5"/>
+    <p:sldId id="271" r:id="rId6"/>
+    <p:sldId id="273" r:id="rId7"/>
+    <p:sldId id="274" r:id="rId8"/>
     <p:sldId id="276" r:id="rId9"/>
-    <p:sldId id="277" r:id="rId10"/>
-    <p:sldId id="278" r:id="rId11"/>
-    <p:sldId id="279" r:id="rId12"/>
-    <p:sldId id="280" r:id="rId13"/>
-    <p:sldId id="281" r:id="rId14"/>
+    <p:sldId id="279" r:id="rId10"/>
+    <p:sldId id="281" r:id="rId11"/>
   </p:sldIdLst>
   <p:sldSz cx="12192000" cy="6858000"/>
   <p:notesSz cx="6858000" cy="9144000"/>
@@ -634,7 +631,7 @@
     </p:spTree>
     <p:extLst>
       <p:ext uri="{BB962C8B-B14F-4D97-AF65-F5344CB8AC3E}">
-        <p14:creationId xmlns:p14="http://schemas.microsoft.com/office/powerpoint/2010/main" val="424217769"/>
+        <p14:creationId xmlns:p14="http://schemas.microsoft.com/office/powerpoint/2010/main" val="4280416164"/>
       </p:ext>
     </p:extLst>
   </p:cSld>
@@ -710,258 +707,6 @@
             <a:fld id="{0A832899-5BB4-40DB-B82A-2D977AFBE1CE}" type="slidenum">
               <a:rPr lang="en-US" smtClean="0"/>
               <a:t>10</a:t>
-            </a:fld>
-            <a:endParaRPr lang="en-US"/>
-          </a:p>
-        </p:txBody>
-      </p:sp>
-    </p:spTree>
-    <p:extLst>
-      <p:ext uri="{BB962C8B-B14F-4D97-AF65-F5344CB8AC3E}">
-        <p14:creationId xmlns:p14="http://schemas.microsoft.com/office/powerpoint/2010/main" val="582891645"/>
-      </p:ext>
-    </p:extLst>
-  </p:cSld>
-  <p:clrMapOvr>
-    <a:masterClrMapping/>
-  </p:clrMapOvr>
-</p:notes>
-</file>
-
-<file path=ppt/notesSlides/notesSlide4.xml><?xml version="1.0" encoding="utf-8"?>
-<p:notes xmlns:a="http://schemas.openxmlformats.org/drawingml/2006/main" xmlns:r="http://schemas.openxmlformats.org/officeDocument/2006/relationships" xmlns:p="http://schemas.openxmlformats.org/presentationml/2006/main">
-  <p:cSld>
-    <p:spTree>
-      <p:nvGrpSpPr>
-        <p:cNvPr id="1" name=""/>
-        <p:cNvGrpSpPr/>
-        <p:nvPr/>
-      </p:nvGrpSpPr>
-      <p:grpSpPr>
-        <a:xfrm>
-          <a:off x="0" y="0"/>
-          <a:ext cx="0" cy="0"/>
-          <a:chOff x="0" y="0"/>
-          <a:chExt cx="0" cy="0"/>
-        </a:xfrm>
-      </p:grpSpPr>
-      <p:sp>
-        <p:nvSpPr>
-          <p:cNvPr id="2" name="Slide Image Placeholder 1"/>
-          <p:cNvSpPr>
-            <a:spLocks noGrp="1" noRot="1" noChangeAspect="1"/>
-          </p:cNvSpPr>
-          <p:nvPr>
-            <p:ph type="sldImg"/>
-          </p:nvPr>
-        </p:nvSpPr>
-        <p:spPr/>
-      </p:sp>
-      <p:sp>
-        <p:nvSpPr>
-          <p:cNvPr id="3" name="Notes Placeholder 2"/>
-          <p:cNvSpPr>
-            <a:spLocks noGrp="1"/>
-          </p:cNvSpPr>
-          <p:nvPr>
-            <p:ph type="body" idx="1"/>
-          </p:nvPr>
-        </p:nvSpPr>
-        <p:spPr/>
-        <p:txBody>
-          <a:bodyPr/>
-          <a:lstStyle/>
-          <a:p>
-            <a:endParaRPr lang="en-US" dirty="0"/>
-          </a:p>
-        </p:txBody>
-      </p:sp>
-      <p:sp>
-        <p:nvSpPr>
-          <p:cNvPr id="4" name="Slide Number Placeholder 3"/>
-          <p:cNvSpPr>
-            <a:spLocks noGrp="1"/>
-          </p:cNvSpPr>
-          <p:nvPr>
-            <p:ph type="sldNum" sz="quarter" idx="10"/>
-          </p:nvPr>
-        </p:nvSpPr>
-        <p:spPr/>
-        <p:txBody>
-          <a:bodyPr/>
-          <a:lstStyle/>
-          <a:p>
-            <a:fld id="{0A832899-5BB4-40DB-B82A-2D977AFBE1CE}" type="slidenum">
-              <a:rPr lang="en-US" smtClean="0"/>
-              <a:t>11</a:t>
-            </a:fld>
-            <a:endParaRPr lang="en-US"/>
-          </a:p>
-        </p:txBody>
-      </p:sp>
-    </p:spTree>
-    <p:extLst>
-      <p:ext uri="{BB962C8B-B14F-4D97-AF65-F5344CB8AC3E}">
-        <p14:creationId xmlns:p14="http://schemas.microsoft.com/office/powerpoint/2010/main" val="4280416164"/>
-      </p:ext>
-    </p:extLst>
-  </p:cSld>
-  <p:clrMapOvr>
-    <a:masterClrMapping/>
-  </p:clrMapOvr>
-</p:notes>
-</file>
-
-<file path=ppt/notesSlides/notesSlide5.xml><?xml version="1.0" encoding="utf-8"?>
-<p:notes xmlns:a="http://schemas.openxmlformats.org/drawingml/2006/main" xmlns:r="http://schemas.openxmlformats.org/officeDocument/2006/relationships" xmlns:p="http://schemas.openxmlformats.org/presentationml/2006/main">
-  <p:cSld>
-    <p:spTree>
-      <p:nvGrpSpPr>
-        <p:cNvPr id="1" name=""/>
-        <p:cNvGrpSpPr/>
-        <p:nvPr/>
-      </p:nvGrpSpPr>
-      <p:grpSpPr>
-        <a:xfrm>
-          <a:off x="0" y="0"/>
-          <a:ext cx="0" cy="0"/>
-          <a:chOff x="0" y="0"/>
-          <a:chExt cx="0" cy="0"/>
-        </a:xfrm>
-      </p:grpSpPr>
-      <p:sp>
-        <p:nvSpPr>
-          <p:cNvPr id="2" name="Slide Image Placeholder 1"/>
-          <p:cNvSpPr>
-            <a:spLocks noGrp="1" noRot="1" noChangeAspect="1"/>
-          </p:cNvSpPr>
-          <p:nvPr>
-            <p:ph type="sldImg"/>
-          </p:nvPr>
-        </p:nvSpPr>
-        <p:spPr/>
-      </p:sp>
-      <p:sp>
-        <p:nvSpPr>
-          <p:cNvPr id="3" name="Notes Placeholder 2"/>
-          <p:cNvSpPr>
-            <a:spLocks noGrp="1"/>
-          </p:cNvSpPr>
-          <p:nvPr>
-            <p:ph type="body" idx="1"/>
-          </p:nvPr>
-        </p:nvSpPr>
-        <p:spPr/>
-        <p:txBody>
-          <a:bodyPr/>
-          <a:lstStyle/>
-          <a:p>
-            <a:endParaRPr lang="en-US" dirty="0"/>
-          </a:p>
-        </p:txBody>
-      </p:sp>
-      <p:sp>
-        <p:nvSpPr>
-          <p:cNvPr id="4" name="Slide Number Placeholder 3"/>
-          <p:cNvSpPr>
-            <a:spLocks noGrp="1"/>
-          </p:cNvSpPr>
-          <p:nvPr>
-            <p:ph type="sldNum" sz="quarter" idx="10"/>
-          </p:nvPr>
-        </p:nvSpPr>
-        <p:spPr/>
-        <p:txBody>
-          <a:bodyPr/>
-          <a:lstStyle/>
-          <a:p>
-            <a:fld id="{0A832899-5BB4-40DB-B82A-2D977AFBE1CE}" type="slidenum">
-              <a:rPr lang="en-US" smtClean="0"/>
-              <a:t>12</a:t>
-            </a:fld>
-            <a:endParaRPr lang="en-US"/>
-          </a:p>
-        </p:txBody>
-      </p:sp>
-    </p:spTree>
-    <p:extLst>
-      <p:ext uri="{BB962C8B-B14F-4D97-AF65-F5344CB8AC3E}">
-        <p14:creationId xmlns:p14="http://schemas.microsoft.com/office/powerpoint/2010/main" val="2917728381"/>
-      </p:ext>
-    </p:extLst>
-  </p:cSld>
-  <p:clrMapOvr>
-    <a:masterClrMapping/>
-  </p:clrMapOvr>
-</p:notes>
-</file>
-
-<file path=ppt/notesSlides/notesSlide6.xml><?xml version="1.0" encoding="utf-8"?>
-<p:notes xmlns:a="http://schemas.openxmlformats.org/drawingml/2006/main" xmlns:r="http://schemas.openxmlformats.org/officeDocument/2006/relationships" xmlns:p="http://schemas.openxmlformats.org/presentationml/2006/main">
-  <p:cSld>
-    <p:spTree>
-      <p:nvGrpSpPr>
-        <p:cNvPr id="1" name=""/>
-        <p:cNvGrpSpPr/>
-        <p:nvPr/>
-      </p:nvGrpSpPr>
-      <p:grpSpPr>
-        <a:xfrm>
-          <a:off x="0" y="0"/>
-          <a:ext cx="0" cy="0"/>
-          <a:chOff x="0" y="0"/>
-          <a:chExt cx="0" cy="0"/>
-        </a:xfrm>
-      </p:grpSpPr>
-      <p:sp>
-        <p:nvSpPr>
-          <p:cNvPr id="2" name="Slide Image Placeholder 1"/>
-          <p:cNvSpPr>
-            <a:spLocks noGrp="1" noRot="1" noChangeAspect="1"/>
-          </p:cNvSpPr>
-          <p:nvPr>
-            <p:ph type="sldImg"/>
-          </p:nvPr>
-        </p:nvSpPr>
-        <p:spPr/>
-      </p:sp>
-      <p:sp>
-        <p:nvSpPr>
-          <p:cNvPr id="3" name="Notes Placeholder 2"/>
-          <p:cNvSpPr>
-            <a:spLocks noGrp="1"/>
-          </p:cNvSpPr>
-          <p:nvPr>
-            <p:ph type="body" idx="1"/>
-          </p:nvPr>
-        </p:nvSpPr>
-        <p:spPr/>
-        <p:txBody>
-          <a:bodyPr/>
-          <a:lstStyle/>
-          <a:p>
-            <a:endParaRPr lang="en-US" dirty="0"/>
-          </a:p>
-        </p:txBody>
-      </p:sp>
-      <p:sp>
-        <p:nvSpPr>
-          <p:cNvPr id="4" name="Slide Number Placeholder 3"/>
-          <p:cNvSpPr>
-            <a:spLocks noGrp="1"/>
-          </p:cNvSpPr>
-          <p:nvPr>
-            <p:ph type="sldNum" sz="quarter" idx="10"/>
-          </p:nvPr>
-        </p:nvSpPr>
-        <p:spPr/>
-        <p:txBody>
-          <a:bodyPr/>
-          <a:lstStyle/>
-          <a:p>
-            <a:fld id="{0A832899-5BB4-40DB-B82A-2D977AFBE1CE}" type="slidenum">
-              <a:rPr lang="en-US" smtClean="0"/>
-              <a:t>13</a:t>
             </a:fld>
             <a:endParaRPr lang="en-US"/>
           </a:p>
@@ -3895,7 +3640,7 @@
           <p:cNvPr id="2" name="Title 1">
             <a:extLst>
               <a:ext uri="{FF2B5EF4-FFF2-40B4-BE49-F238E27FC236}">
-                <a16:creationId xmlns:a16="http://schemas.microsoft.com/office/drawing/2014/main" xmlns="" id="{32DF5D79-C803-4CF4-92C7-5C41434DB97F}"/>
+                <a16:creationId xmlns="" xmlns:a16="http://schemas.microsoft.com/office/drawing/2014/main" id="{32DF5D79-C803-4CF4-92C7-5C41434DB97F}"/>
               </a:ext>
             </a:extLst>
           </p:cNvPr>
@@ -3925,7 +3670,7 @@
           <a:p>
             <a:r>
               <a:rPr lang="en-US" dirty="0" smtClean="0"/>
-              <a:t>Germany </a:t>
+              <a:t>USA </a:t>
             </a:r>
             <a:r>
               <a:rPr lang="en-US" dirty="0" err="1" smtClean="0"/>
@@ -3944,612 +3689,7 @@
           <p:cNvPr id="4" name="Text Placeholder 3">
             <a:extLst>
               <a:ext uri="{FF2B5EF4-FFF2-40B4-BE49-F238E27FC236}">
-                <a16:creationId xmlns:a16="http://schemas.microsoft.com/office/drawing/2014/main" xmlns="" id="{AA239697-32DC-4CC1-85ED-AD4C1AB65CC7}"/>
-              </a:ext>
-            </a:extLst>
-          </p:cNvPr>
-          <p:cNvSpPr>
-            <a:spLocks noGrp="1"/>
-          </p:cNvSpPr>
-          <p:nvPr>
-            <p:ph type="body" sz="half" idx="2"/>
-          </p:nvPr>
-        </p:nvSpPr>
-        <p:spPr>
-          <a:xfrm flipH="1">
-            <a:off x="7458887" y="3813266"/>
-            <a:ext cx="4314012" cy="2151017"/>
-          </a:xfrm>
-        </p:spPr>
-        <p:txBody>
-          <a:bodyPr>
-            <a:normAutofit/>
-          </a:bodyPr>
-          <a:lstStyle/>
-          <a:p>
-            <a:endParaRPr lang="en-US" dirty="0"/>
-          </a:p>
-          <a:p>
-            <a:r>
-              <a:rPr lang="en-US" dirty="0"/>
-              <a:t>Except for 1992 which showed a strong positive correlation between the two </a:t>
-            </a:r>
-            <a:r>
-              <a:rPr lang="en-US" dirty="0" smtClean="0"/>
-              <a:t>matrices, </a:t>
-            </a:r>
-            <a:r>
-              <a:rPr lang="en-US" dirty="0"/>
-              <a:t>Germany has exhibited a weak </a:t>
-            </a:r>
-            <a:r>
-              <a:rPr lang="en-US" dirty="0" smtClean="0"/>
-              <a:t>negative relationship </a:t>
-            </a:r>
-            <a:r>
-              <a:rPr lang="en-US" dirty="0"/>
-              <a:t>between </a:t>
-            </a:r>
-            <a:r>
-              <a:rPr lang="en-US" dirty="0" smtClean="0"/>
-              <a:t>agriculture </a:t>
-            </a:r>
-            <a:r>
-              <a:rPr lang="en-US" dirty="0"/>
-              <a:t>land area and food production levels during review period</a:t>
-            </a:r>
-            <a:endParaRPr lang="en-US" dirty="0"/>
-          </a:p>
-          <a:p>
-            <a:endParaRPr lang="en-US" dirty="0"/>
-          </a:p>
-        </p:txBody>
-      </p:sp>
-      <p:pic>
-        <p:nvPicPr>
-          <p:cNvPr id="3" name="Picture 2"/>
-          <p:cNvPicPr>
-            <a:picLocks noChangeAspect="1"/>
-          </p:cNvPicPr>
-          <p:nvPr/>
-        </p:nvPicPr>
-        <p:blipFill>
-          <a:blip r:embed="rId3"/>
-          <a:stretch>
-            <a:fillRect/>
-          </a:stretch>
-        </p:blipFill>
-        <p:spPr>
-          <a:xfrm>
-            <a:off x="1143001" y="1328737"/>
-            <a:ext cx="6102350" cy="4200525"/>
-          </a:xfrm>
-          <a:prstGeom prst="rect">
-            <a:avLst/>
-          </a:prstGeom>
-        </p:spPr>
-      </p:pic>
-      <p:pic>
-        <p:nvPicPr>
-          <p:cNvPr id="6" name="Picture 5"/>
-          <p:cNvPicPr>
-            <a:picLocks noChangeAspect="1"/>
-          </p:cNvPicPr>
-          <p:nvPr/>
-        </p:nvPicPr>
-        <p:blipFill>
-          <a:blip r:embed="rId4"/>
-          <a:stretch>
-            <a:fillRect/>
-          </a:stretch>
-        </p:blipFill>
-        <p:spPr>
-          <a:xfrm>
-            <a:off x="7585884" y="987425"/>
-            <a:ext cx="4400551" cy="2905125"/>
-          </a:xfrm>
-          <a:prstGeom prst="rect">
-            <a:avLst/>
-          </a:prstGeom>
-        </p:spPr>
-      </p:pic>
-    </p:spTree>
-    <p:extLst>
-      <p:ext uri="{BB962C8B-B14F-4D97-AF65-F5344CB8AC3E}">
-        <p14:creationId xmlns:p14="http://schemas.microsoft.com/office/powerpoint/2010/main" val="224580981"/>
-      </p:ext>
-    </p:extLst>
-  </p:cSld>
-  <p:clrMapOvr>
-    <a:masterClrMapping/>
-  </p:clrMapOvr>
-</p:sld>
-</file>
-
-<file path=ppt/slides/slide11.xml><?xml version="1.0" encoding="utf-8"?>
-<p:sld xmlns:a="http://schemas.openxmlformats.org/drawingml/2006/main" xmlns:r="http://schemas.openxmlformats.org/officeDocument/2006/relationships" xmlns:p="http://schemas.openxmlformats.org/presentationml/2006/main">
-  <p:cSld>
-    <p:spTree>
-      <p:nvGrpSpPr>
-        <p:cNvPr id="1" name=""/>
-        <p:cNvGrpSpPr/>
-        <p:nvPr/>
-      </p:nvGrpSpPr>
-      <p:grpSpPr>
-        <a:xfrm>
-          <a:off x="0" y="0"/>
-          <a:ext cx="0" cy="0"/>
-          <a:chOff x="0" y="0"/>
-          <a:chExt cx="0" cy="0"/>
-        </a:xfrm>
-      </p:grpSpPr>
-      <p:sp>
-        <p:nvSpPr>
-          <p:cNvPr id="2" name="Title 1">
-            <a:extLst>
-              <a:ext uri="{FF2B5EF4-FFF2-40B4-BE49-F238E27FC236}">
-                <a16:creationId xmlns:a16="http://schemas.microsoft.com/office/drawing/2014/main" xmlns="" id="{32DF5D79-C803-4CF4-92C7-5C41434DB97F}"/>
-              </a:ext>
-            </a:extLst>
-          </p:cNvPr>
-          <p:cNvSpPr>
-            <a:spLocks noGrp="1"/>
-          </p:cNvSpPr>
-          <p:nvPr>
-            <p:ph type="title"/>
-          </p:nvPr>
-        </p:nvSpPr>
-        <p:spPr>
-          <a:xfrm>
-            <a:off x="617220" y="182880"/>
-            <a:ext cx="8069580" cy="804545"/>
-          </a:xfrm>
-          <a:ln w="6350">
-            <a:solidFill>
-              <a:schemeClr val="tx1"/>
-            </a:solidFill>
-          </a:ln>
-        </p:spPr>
-        <p:txBody>
-          <a:bodyPr>
-            <a:normAutofit/>
-          </a:bodyPr>
-          <a:lstStyle/>
-          <a:p>
-            <a:r>
-              <a:rPr lang="en-US" dirty="0" smtClean="0"/>
-              <a:t>Nigeria </a:t>
-            </a:r>
-            <a:r>
-              <a:rPr lang="en-US" dirty="0" err="1" smtClean="0"/>
-              <a:t>Agric</a:t>
-            </a:r>
-            <a:r>
-              <a:rPr lang="en-US" dirty="0" smtClean="0"/>
-              <a:t> Land Vs Food Production </a:t>
-            </a:r>
-            <a:endParaRPr lang="en-US" dirty="0"/>
-          </a:p>
-        </p:txBody>
-      </p:sp>
-      <p:sp>
-        <p:nvSpPr>
-          <p:cNvPr id="4" name="Text Placeholder 3">
-            <a:extLst>
-              <a:ext uri="{FF2B5EF4-FFF2-40B4-BE49-F238E27FC236}">
-                <a16:creationId xmlns:a16="http://schemas.microsoft.com/office/drawing/2014/main" xmlns="" id="{AA239697-32DC-4CC1-85ED-AD4C1AB65CC7}"/>
-              </a:ext>
-            </a:extLst>
-          </p:cNvPr>
-          <p:cNvSpPr>
-            <a:spLocks noGrp="1"/>
-          </p:cNvSpPr>
-          <p:nvPr>
-            <p:ph type="body" sz="half" idx="2"/>
-          </p:nvPr>
-        </p:nvSpPr>
-        <p:spPr>
-          <a:xfrm flipH="1">
-            <a:off x="7458887" y="3813266"/>
-            <a:ext cx="4314012" cy="2151017"/>
-          </a:xfrm>
-        </p:spPr>
-        <p:txBody>
-          <a:bodyPr>
-            <a:normAutofit/>
-          </a:bodyPr>
-          <a:lstStyle/>
-          <a:p>
-            <a:endParaRPr lang="en-US" dirty="0"/>
-          </a:p>
-          <a:p>
-            <a:pPr marL="285750" indent="-285750">
-              <a:buFont typeface="Arial" panose="020B0604020202020204" pitchFamily="34" charset="0"/>
-              <a:buChar char="•"/>
-            </a:pPr>
-            <a:r>
-              <a:rPr lang="en-US" dirty="0" smtClean="0"/>
-              <a:t>Nigeria </a:t>
-            </a:r>
-            <a:r>
-              <a:rPr lang="en-US" dirty="0"/>
-              <a:t> </a:t>
-            </a:r>
-            <a:r>
-              <a:rPr lang="en-US" dirty="0" smtClean="0"/>
-              <a:t>Food </a:t>
-            </a:r>
-            <a:r>
-              <a:rPr lang="en-US" dirty="0"/>
-              <a:t>production index was below the agriculture land area up 2003 when this trend reversed</a:t>
-            </a:r>
-            <a:r>
-              <a:rPr lang="en-US" dirty="0" smtClean="0"/>
-              <a:t>.</a:t>
-            </a:r>
-          </a:p>
-          <a:p>
-            <a:pPr marL="285750" indent="-285750">
-              <a:buFont typeface="Arial" panose="020B0604020202020204" pitchFamily="34" charset="0"/>
-              <a:buChar char="•"/>
-            </a:pPr>
-            <a:r>
-              <a:rPr lang="en-US" dirty="0" smtClean="0"/>
-              <a:t>Strong </a:t>
-            </a:r>
-            <a:r>
-              <a:rPr lang="en-US" dirty="0"/>
-              <a:t>positive </a:t>
-            </a:r>
-            <a:r>
-              <a:rPr lang="en-US" dirty="0" smtClean="0"/>
-              <a:t>relationship </a:t>
-            </a:r>
-            <a:r>
-              <a:rPr lang="en-US" dirty="0"/>
-              <a:t>between Food production value and agriculture land area for Nigeria. </a:t>
-            </a:r>
-            <a:endParaRPr lang="en-US" dirty="0"/>
-          </a:p>
-        </p:txBody>
-      </p:sp>
-      <p:pic>
-        <p:nvPicPr>
-          <p:cNvPr id="5" name="Picture 4"/>
-          <p:cNvPicPr>
-            <a:picLocks noChangeAspect="1"/>
-          </p:cNvPicPr>
-          <p:nvPr/>
-        </p:nvPicPr>
-        <p:blipFill>
-          <a:blip r:embed="rId3"/>
-          <a:stretch>
-            <a:fillRect/>
-          </a:stretch>
-        </p:blipFill>
-        <p:spPr>
-          <a:xfrm>
-            <a:off x="947738" y="1163637"/>
-            <a:ext cx="6297614" cy="4314825"/>
-          </a:xfrm>
-          <a:prstGeom prst="rect">
-            <a:avLst/>
-          </a:prstGeom>
-          <a:ln w="6350">
-            <a:solidFill>
-              <a:schemeClr val="tx1"/>
-            </a:solidFill>
-          </a:ln>
-        </p:spPr>
-      </p:pic>
-      <p:pic>
-        <p:nvPicPr>
-          <p:cNvPr id="7" name="Picture 6"/>
-          <p:cNvPicPr>
-            <a:picLocks noChangeAspect="1"/>
-          </p:cNvPicPr>
-          <p:nvPr/>
-        </p:nvPicPr>
-        <p:blipFill>
-          <a:blip r:embed="rId4"/>
-          <a:stretch>
-            <a:fillRect/>
-          </a:stretch>
-        </p:blipFill>
-        <p:spPr>
-          <a:xfrm>
-            <a:off x="7581900" y="1055687"/>
-            <a:ext cx="4190999" cy="3057525"/>
-          </a:xfrm>
-          <a:prstGeom prst="rect">
-            <a:avLst/>
-          </a:prstGeom>
-          <a:ln w="3175">
-            <a:solidFill>
-              <a:schemeClr val="tx1"/>
-            </a:solidFill>
-          </a:ln>
-        </p:spPr>
-      </p:pic>
-    </p:spTree>
-    <p:extLst>
-      <p:ext uri="{BB962C8B-B14F-4D97-AF65-F5344CB8AC3E}">
-        <p14:creationId xmlns:p14="http://schemas.microsoft.com/office/powerpoint/2010/main" val="3208528256"/>
-      </p:ext>
-    </p:extLst>
-  </p:cSld>
-  <p:clrMapOvr>
-    <a:masterClrMapping/>
-  </p:clrMapOvr>
-</p:sld>
-</file>
-
-<file path=ppt/slides/slide12.xml><?xml version="1.0" encoding="utf-8"?>
-<p:sld xmlns:a="http://schemas.openxmlformats.org/drawingml/2006/main" xmlns:r="http://schemas.openxmlformats.org/officeDocument/2006/relationships" xmlns:p="http://schemas.openxmlformats.org/presentationml/2006/main">
-  <p:cSld>
-    <p:spTree>
-      <p:nvGrpSpPr>
-        <p:cNvPr id="1" name=""/>
-        <p:cNvGrpSpPr/>
-        <p:nvPr/>
-      </p:nvGrpSpPr>
-      <p:grpSpPr>
-        <a:xfrm>
-          <a:off x="0" y="0"/>
-          <a:ext cx="0" cy="0"/>
-          <a:chOff x="0" y="0"/>
-          <a:chExt cx="0" cy="0"/>
-        </a:xfrm>
-      </p:grpSpPr>
-      <p:sp>
-        <p:nvSpPr>
-          <p:cNvPr id="2" name="Title 1">
-            <a:extLst>
-              <a:ext uri="{FF2B5EF4-FFF2-40B4-BE49-F238E27FC236}">
-                <a16:creationId xmlns:a16="http://schemas.microsoft.com/office/drawing/2014/main" xmlns="" id="{32DF5D79-C803-4CF4-92C7-5C41434DB97F}"/>
-              </a:ext>
-            </a:extLst>
-          </p:cNvPr>
-          <p:cNvSpPr>
-            <a:spLocks noGrp="1"/>
-          </p:cNvSpPr>
-          <p:nvPr>
-            <p:ph type="title"/>
-          </p:nvPr>
-        </p:nvSpPr>
-        <p:spPr>
-          <a:xfrm>
-            <a:off x="617220" y="182880"/>
-            <a:ext cx="8069580" cy="804545"/>
-          </a:xfrm>
-          <a:ln w="6350">
-            <a:solidFill>
-              <a:schemeClr val="tx1"/>
-            </a:solidFill>
-          </a:ln>
-        </p:spPr>
-        <p:txBody>
-          <a:bodyPr>
-            <a:normAutofit/>
-          </a:bodyPr>
-          <a:lstStyle/>
-          <a:p>
-            <a:r>
-              <a:rPr lang="en-US" dirty="0" smtClean="0"/>
-              <a:t>Saudi Arabia </a:t>
-            </a:r>
-            <a:r>
-              <a:rPr lang="en-US" dirty="0" err="1" smtClean="0"/>
-              <a:t>Agric</a:t>
-            </a:r>
-            <a:r>
-              <a:rPr lang="en-US" dirty="0" smtClean="0"/>
-              <a:t> Land Vs Food Production </a:t>
-            </a:r>
-            <a:endParaRPr lang="en-US" dirty="0"/>
-          </a:p>
-        </p:txBody>
-      </p:sp>
-      <p:sp>
-        <p:nvSpPr>
-          <p:cNvPr id="4" name="Text Placeholder 3">
-            <a:extLst>
-              <a:ext uri="{FF2B5EF4-FFF2-40B4-BE49-F238E27FC236}">
-                <a16:creationId xmlns:a16="http://schemas.microsoft.com/office/drawing/2014/main" xmlns="" id="{AA239697-32DC-4CC1-85ED-AD4C1AB65CC7}"/>
-              </a:ext>
-            </a:extLst>
-          </p:cNvPr>
-          <p:cNvSpPr>
-            <a:spLocks noGrp="1"/>
-          </p:cNvSpPr>
-          <p:nvPr>
-            <p:ph type="body" sz="half" idx="2"/>
-          </p:nvPr>
-        </p:nvSpPr>
-        <p:spPr>
-          <a:xfrm flipH="1">
-            <a:off x="7458887" y="3813266"/>
-            <a:ext cx="4314012" cy="2151017"/>
-          </a:xfrm>
-        </p:spPr>
-        <p:txBody>
-          <a:bodyPr>
-            <a:normAutofit/>
-          </a:bodyPr>
-          <a:lstStyle/>
-          <a:p>
-            <a:endParaRPr lang="en-US" dirty="0"/>
-          </a:p>
-          <a:p>
-            <a:pPr marL="285750" indent="-285750">
-              <a:buFont typeface="Arial" panose="020B0604020202020204" pitchFamily="34" charset="0"/>
-              <a:buChar char="•"/>
-            </a:pPr>
-            <a:r>
-              <a:rPr lang="en-US" dirty="0" smtClean="0"/>
-              <a:t>Saudi Arabia apart </a:t>
-            </a:r>
-            <a:r>
-              <a:rPr lang="en-US" dirty="0"/>
-              <a:t>from the period 1987 to 1994 where there a strong positive </a:t>
-            </a:r>
-            <a:r>
-              <a:rPr lang="en-US" dirty="0" smtClean="0"/>
-              <a:t>relationship </a:t>
-            </a:r>
-            <a:r>
-              <a:rPr lang="en-US" dirty="0"/>
-              <a:t>between </a:t>
-            </a:r>
-            <a:r>
-              <a:rPr lang="en-US" dirty="0" smtClean="0"/>
-              <a:t>agriculture </a:t>
-            </a:r>
-            <a:r>
-              <a:rPr lang="en-US" dirty="0"/>
-              <a:t>land area and food production</a:t>
-            </a:r>
-            <a:r>
-              <a:rPr lang="en-US" dirty="0" smtClean="0"/>
-              <a:t>, overall there is  there is no relationship. </a:t>
-            </a:r>
-            <a:endParaRPr lang="en-US" dirty="0"/>
-          </a:p>
-        </p:txBody>
-      </p:sp>
-      <p:pic>
-        <p:nvPicPr>
-          <p:cNvPr id="3" name="Picture 2"/>
-          <p:cNvPicPr>
-            <a:picLocks noChangeAspect="1"/>
-          </p:cNvPicPr>
-          <p:nvPr/>
-        </p:nvPicPr>
-        <p:blipFill>
-          <a:blip r:embed="rId3"/>
-          <a:stretch>
-            <a:fillRect/>
-          </a:stretch>
-        </p:blipFill>
-        <p:spPr>
-          <a:xfrm>
-            <a:off x="141288" y="1176293"/>
-            <a:ext cx="7317600" cy="4171950"/>
-          </a:xfrm>
-          <a:prstGeom prst="rect">
-            <a:avLst/>
-          </a:prstGeom>
-        </p:spPr>
-      </p:pic>
-      <p:pic>
-        <p:nvPicPr>
-          <p:cNvPr id="6" name="Picture 5"/>
-          <p:cNvPicPr>
-            <a:picLocks noChangeAspect="1"/>
-          </p:cNvPicPr>
-          <p:nvPr/>
-        </p:nvPicPr>
-        <p:blipFill>
-          <a:blip r:embed="rId4"/>
-          <a:stretch>
-            <a:fillRect/>
-          </a:stretch>
-        </p:blipFill>
-        <p:spPr>
-          <a:xfrm>
-            <a:off x="7458886" y="1012916"/>
-            <a:ext cx="4637864" cy="2800350"/>
-          </a:xfrm>
-          <a:prstGeom prst="rect">
-            <a:avLst/>
-          </a:prstGeom>
-        </p:spPr>
-      </p:pic>
-    </p:spTree>
-    <p:extLst>
-      <p:ext uri="{BB962C8B-B14F-4D97-AF65-F5344CB8AC3E}">
-        <p14:creationId xmlns:p14="http://schemas.microsoft.com/office/powerpoint/2010/main" val="730494162"/>
-      </p:ext>
-    </p:extLst>
-  </p:cSld>
-  <p:clrMapOvr>
-    <a:masterClrMapping/>
-  </p:clrMapOvr>
-</p:sld>
-</file>
-
-<file path=ppt/slides/slide13.xml><?xml version="1.0" encoding="utf-8"?>
-<p:sld xmlns:a="http://schemas.openxmlformats.org/drawingml/2006/main" xmlns:r="http://schemas.openxmlformats.org/officeDocument/2006/relationships" xmlns:p="http://schemas.openxmlformats.org/presentationml/2006/main">
-  <p:cSld>
-    <p:spTree>
-      <p:nvGrpSpPr>
-        <p:cNvPr id="1" name=""/>
-        <p:cNvGrpSpPr/>
-        <p:nvPr/>
-      </p:nvGrpSpPr>
-      <p:grpSpPr>
-        <a:xfrm>
-          <a:off x="0" y="0"/>
-          <a:ext cx="0" cy="0"/>
-          <a:chOff x="0" y="0"/>
-          <a:chExt cx="0" cy="0"/>
-        </a:xfrm>
-      </p:grpSpPr>
-      <p:sp>
-        <p:nvSpPr>
-          <p:cNvPr id="2" name="Title 1">
-            <a:extLst>
-              <a:ext uri="{FF2B5EF4-FFF2-40B4-BE49-F238E27FC236}">
-                <a16:creationId xmlns:a16="http://schemas.microsoft.com/office/drawing/2014/main" xmlns="" id="{32DF5D79-C803-4CF4-92C7-5C41434DB97F}"/>
-              </a:ext>
-            </a:extLst>
-          </p:cNvPr>
-          <p:cNvSpPr>
-            <a:spLocks noGrp="1"/>
-          </p:cNvSpPr>
-          <p:nvPr>
-            <p:ph type="title"/>
-          </p:nvPr>
-        </p:nvSpPr>
-        <p:spPr>
-          <a:xfrm>
-            <a:off x="617220" y="182880"/>
-            <a:ext cx="8069580" cy="804545"/>
-          </a:xfrm>
-          <a:ln w="6350">
-            <a:solidFill>
-              <a:schemeClr val="tx1"/>
-            </a:solidFill>
-          </a:ln>
-        </p:spPr>
-        <p:txBody>
-          <a:bodyPr>
-            <a:normAutofit/>
-          </a:bodyPr>
-          <a:lstStyle/>
-          <a:p>
-            <a:r>
-              <a:rPr lang="en-US" dirty="0" smtClean="0"/>
-              <a:t>USA </a:t>
-            </a:r>
-            <a:r>
-              <a:rPr lang="en-US" dirty="0" err="1" smtClean="0"/>
-              <a:t>Agric</a:t>
-            </a:r>
-            <a:r>
-              <a:rPr lang="en-US" dirty="0" smtClean="0"/>
-              <a:t> Land Vs Food Production </a:t>
-            </a:r>
-            <a:endParaRPr lang="en-US" dirty="0"/>
-          </a:p>
-        </p:txBody>
-      </p:sp>
-      <p:sp>
-        <p:nvSpPr>
-          <p:cNvPr id="4" name="Text Placeholder 3">
-            <a:extLst>
-              <a:ext uri="{FF2B5EF4-FFF2-40B4-BE49-F238E27FC236}">
-                <a16:creationId xmlns:a16="http://schemas.microsoft.com/office/drawing/2014/main" xmlns="" id="{AA239697-32DC-4CC1-85ED-AD4C1AB65CC7}"/>
+                <a16:creationId xmlns="" xmlns:a16="http://schemas.microsoft.com/office/drawing/2014/main" id="{AA239697-32DC-4CC1-85ED-AD4C1AB65CC7}"/>
               </a:ext>
             </a:extLst>
           </p:cNvPr>
@@ -4693,10 +3833,40 @@
       </p:grpSpPr>
       <p:sp>
         <p:nvSpPr>
-          <p:cNvPr id="2" name="Title 1">
+          <p:cNvPr id="2" name="Title 1"/>
+          <p:cNvSpPr>
+            <a:spLocks noGrp="1"/>
+          </p:cNvSpPr>
+          <p:nvPr>
+            <p:ph type="title"/>
+          </p:nvPr>
+        </p:nvSpPr>
+        <p:spPr>
+          <a:xfrm>
+            <a:off x="418012" y="370114"/>
+            <a:ext cx="4528186" cy="530225"/>
+          </a:xfrm>
+        </p:spPr>
+        <p:txBody>
+          <a:bodyPr>
+            <a:normAutofit fontScale="90000"/>
+          </a:bodyPr>
+          <a:lstStyle/>
+          <a:p>
+            <a:r>
+              <a:rPr lang="en-US" dirty="0" smtClean="0"/>
+              <a:t>Data Sources </a:t>
+            </a:r>
+            <a:endParaRPr lang="en-US" dirty="0"/>
+          </a:p>
+        </p:txBody>
+      </p:sp>
+      <p:sp>
+        <p:nvSpPr>
+          <p:cNvPr id="10" name="Text Placeholder 9">
             <a:extLst>
               <a:ext uri="{FF2B5EF4-FFF2-40B4-BE49-F238E27FC236}">
-                <a16:creationId xmlns:a16="http://schemas.microsoft.com/office/drawing/2014/main" xmlns="" id="{5805D990-CF56-AC87-3296-C017C9627BBE}"/>
+                <a16:creationId xmlns="" xmlns:a16="http://schemas.microsoft.com/office/drawing/2014/main" id="{36132278-75DC-41C2-B131-77C319FCBFE5}"/>
               </a:ext>
             </a:extLst>
           </p:cNvPr>
@@ -4704,89 +3874,150 @@
             <a:spLocks noGrp="1"/>
           </p:cNvSpPr>
           <p:nvPr>
-            <p:ph type="title"/>
-          </p:nvPr>
-        </p:nvSpPr>
-        <p:spPr/>
-        <p:txBody>
-          <a:bodyPr/>
-          <a:lstStyle/>
-          <a:p>
-            <a:r>
-              <a:rPr lang="en-US" dirty="0"/>
-              <a:t>Electricity Production from sources</a:t>
-            </a:r>
-          </a:p>
-        </p:txBody>
-      </p:sp>
-      <p:pic>
-        <p:nvPicPr>
-          <p:cNvPr id="5" name="Content Placeholder 4">
-            <a:extLst>
-              <a:ext uri="{FF2B5EF4-FFF2-40B4-BE49-F238E27FC236}">
-                <a16:creationId xmlns:a16="http://schemas.microsoft.com/office/drawing/2014/main" xmlns="" id="{61688370-0835-1A2D-7CA8-1C9DFD0F6BFB}"/>
-              </a:ext>
-            </a:extLst>
-          </p:cNvPr>
-          <p:cNvPicPr>
-            <a:picLocks noGrp="1" noChangeAspect="1"/>
-          </p:cNvPicPr>
-          <p:nvPr>
-            <p:ph idx="1"/>
-          </p:nvPr>
-        </p:nvPicPr>
-        <p:blipFill>
-          <a:blip r:embed="rId2"/>
-          <a:stretch>
-            <a:fillRect/>
-          </a:stretch>
-        </p:blipFill>
+            <p:ph type="body" sz="half" idx="2"/>
+          </p:nvPr>
+        </p:nvSpPr>
         <p:spPr>
           <a:xfrm>
-            <a:off x="490728" y="1380003"/>
-            <a:ext cx="10515600" cy="2974869"/>
+            <a:off x="317274" y="995363"/>
+            <a:ext cx="11047412" cy="5483814"/>
           </a:xfrm>
         </p:spPr>
-      </p:pic>
-      <p:sp>
-        <p:nvSpPr>
-          <p:cNvPr id="6" name="TextBox 5">
-            <a:extLst>
-              <a:ext uri="{FF2B5EF4-FFF2-40B4-BE49-F238E27FC236}">
-                <a16:creationId xmlns:a16="http://schemas.microsoft.com/office/drawing/2014/main" xmlns="" id="{5054B45E-E85A-9ED6-E60E-88647A84E78A}"/>
-              </a:ext>
-            </a:extLst>
-          </p:cNvPr>
-          <p:cNvSpPr txBox="1"/>
-          <p:nvPr/>
-        </p:nvSpPr>
-        <p:spPr>
-          <a:xfrm>
-            <a:off x="1267968" y="4354872"/>
-            <a:ext cx="10085832" cy="646331"/>
-          </a:xfrm>
-          <a:prstGeom prst="rect">
-            <a:avLst/>
-          </a:prstGeom>
-          <a:noFill/>
-        </p:spPr>
-        <p:txBody>
-          <a:bodyPr wrap="square" rtlCol="0">
-            <a:spAutoFit/>
+        <p:txBody>
+          <a:bodyPr>
+            <a:normAutofit fontScale="92500" lnSpcReduction="10000"/>
           </a:bodyPr>
           <a:lstStyle/>
           <a:p>
             <a:r>
-              <a:rPr lang="en-US" dirty="0"/>
-              <a:t>Germany produced 25% of its electricity from renewable sources (excluding hydroelectric) – which is the highest in any of the leading economies in the region</a:t>
-            </a:r>
+              <a:rPr lang="en-US" sz="1400" dirty="0"/>
+              <a:t>World bank provided data for the countries and regions across the world in several different categories. The categories are termed as </a:t>
+            </a:r>
+            <a:r>
+              <a:rPr lang="en-US" sz="1400" dirty="0" err="1"/>
+              <a:t>series_id</a:t>
+            </a:r>
+            <a:r>
+              <a:rPr lang="en-US" sz="1400" dirty="0"/>
+              <a:t> in the world bank metadata. For the purpose of this project, the following </a:t>
+            </a:r>
+            <a:r>
+              <a:rPr lang="en-US" sz="1400" dirty="0" err="1"/>
+              <a:t>series_ids</a:t>
+            </a:r>
+            <a:r>
+              <a:rPr lang="en-US" sz="1400" dirty="0"/>
+              <a:t> were used in </a:t>
+            </a:r>
+            <a:r>
+              <a:rPr lang="en-US" sz="1400" dirty="0" smtClean="0"/>
+              <a:t>analysis</a:t>
+            </a:r>
+            <a:endParaRPr lang="en-US" sz="1400" dirty="0"/>
+          </a:p>
+          <a:p>
+            <a:r>
+              <a:rPr lang="en-US" sz="1400" dirty="0"/>
+              <a:t>- https://data.nasdaq.com/databases/WB/data</a:t>
+            </a:r>
+          </a:p>
+          <a:p>
+            <a:endParaRPr lang="en-US" sz="1400" dirty="0"/>
+          </a:p>
+          <a:p>
+            <a:r>
+              <a:rPr lang="en-US" sz="1400" dirty="0"/>
+              <a:t>* [United States](data/WB_DATA_USA.csv)</a:t>
+            </a:r>
+          </a:p>
+          <a:p>
+            <a:r>
+              <a:rPr lang="en-US" sz="1400" dirty="0"/>
+              <a:t>* [Nigeria](data/WB_DATA_NGA.csv)</a:t>
+            </a:r>
+          </a:p>
+          <a:p>
+            <a:r>
+              <a:rPr lang="en-US" sz="1400" dirty="0"/>
+              <a:t>* [China](data/WB_DATA_CHN.csv)</a:t>
+            </a:r>
+          </a:p>
+          <a:p>
+            <a:r>
+              <a:rPr lang="en-US" sz="1400" dirty="0"/>
+              <a:t>* [Saudi Arabia](data/WB_DATA_SAU.csv)</a:t>
+            </a:r>
+          </a:p>
+          <a:p>
+            <a:r>
+              <a:rPr lang="en-US" sz="1400" dirty="0"/>
+              <a:t>* [Germany](data/WB_DATA_DEU.csv)</a:t>
+            </a:r>
+          </a:p>
+          <a:p>
+            <a:r>
+              <a:rPr lang="en-US" sz="1400" dirty="0"/>
+              <a:t>* [Brazil](data/WB_DATA_BRA.csv)</a:t>
+            </a:r>
+          </a:p>
+          <a:p>
+            <a:r>
+              <a:rPr lang="en-US" sz="1400" dirty="0"/>
+              <a:t>* [Australia](data/WB_DATA_AUS.csv)</a:t>
+            </a:r>
+          </a:p>
+          <a:p>
+            <a:endParaRPr lang="en-US" sz="1400" dirty="0"/>
+          </a:p>
+          <a:p>
+            <a:r>
+              <a:rPr lang="en-US" sz="1400" dirty="0"/>
+              <a:t>* [Electricity production from coal sources (% of total)](data/data_EG_ELC_COAL_ZS.csv)</a:t>
+            </a:r>
+          </a:p>
+          <a:p>
+            <a:r>
+              <a:rPr lang="en-US" sz="1400" dirty="0"/>
+              <a:t>* [Electricity production from hydroelectric sources (% of total)](data/data_EG_ELC_HYRO_ZS.csv)</a:t>
+            </a:r>
+          </a:p>
+          <a:p>
+            <a:r>
+              <a:rPr lang="en-US" sz="1400" dirty="0"/>
+              <a:t>* [Electricity production from natural gas sources (% of total)](data/data_EG_ELC_NGAS_ZS.csv)</a:t>
+            </a:r>
+          </a:p>
+          <a:p>
+            <a:r>
+              <a:rPr lang="en-US" sz="1400" dirty="0"/>
+              <a:t>* [Electricity production from nuclear sources (% of total)](data/data_EG_ELC_NUCL_ZS.csv)</a:t>
+            </a:r>
+          </a:p>
+          <a:p>
+            <a:r>
+              <a:rPr lang="en-US" sz="1400" dirty="0"/>
+              <a:t>* [Electricity production from oil sources (% of total)](data/data_EG_ELC_PETR_ZS.csv)</a:t>
+            </a:r>
+          </a:p>
+          <a:p>
+            <a:r>
+              <a:rPr lang="en-US" sz="1400" dirty="0"/>
+              <a:t>* [Electricity production from renewable sources, excluding hydroelectric (% of total)](data/data_EG_ELC_RNWX_ZS.csv)</a:t>
+            </a:r>
+          </a:p>
+          <a:p>
+            <a:r>
+              <a:rPr lang="en-US" sz="1400" dirty="0"/>
+              <a:t>* [Electricity production from renewable sources, excluding hydroelectric (kWh)](data/data_EG_ELC_RNWX_KH.csv)</a:t>
+            </a:r>
+            <a:endParaRPr lang="en-US" sz="1400" dirty="0"/>
           </a:p>
         </p:txBody>
       </p:sp>
     </p:spTree>
     <p:extLst>
       <p:ext uri="{BB962C8B-B14F-4D97-AF65-F5344CB8AC3E}">
-        <p14:creationId xmlns:p14="http://schemas.microsoft.com/office/powerpoint/2010/main" val="1897080493"/>
+        <p14:creationId xmlns:p14="http://schemas.microsoft.com/office/powerpoint/2010/main" val="289300076"/>
       </p:ext>
     </p:extLst>
   </p:cSld>
@@ -4818,7 +4049,7 @@
           <p:cNvPr id="2" name="Title 1">
             <a:extLst>
               <a:ext uri="{FF2B5EF4-FFF2-40B4-BE49-F238E27FC236}">
-                <a16:creationId xmlns:a16="http://schemas.microsoft.com/office/drawing/2014/main" xmlns="" id="{9A01438F-D8BF-A3F0-C070-4D98E0990920}"/>
+                <a16:creationId xmlns="" xmlns:a16="http://schemas.microsoft.com/office/drawing/2014/main" id="{5805D990-CF56-AC87-3296-C017C9627BBE}"/>
               </a:ext>
             </a:extLst>
           </p:cNvPr>
@@ -4836,7 +4067,7 @@
           <a:p>
             <a:r>
               <a:rPr lang="en-US" dirty="0"/>
-              <a:t>Is there a race amongst the leading economies</a:t>
+              <a:t>Electricity Production from sources</a:t>
             </a:r>
           </a:p>
         </p:txBody>
@@ -4846,7 +4077,7 @@
           <p:cNvPr id="5" name="Content Placeholder 4">
             <a:extLst>
               <a:ext uri="{FF2B5EF4-FFF2-40B4-BE49-F238E27FC236}">
-                <a16:creationId xmlns:a16="http://schemas.microsoft.com/office/drawing/2014/main" xmlns="" id="{9268D554-C87F-2D24-B31B-BBA0CEA7A40E}"/>
+                <a16:creationId xmlns="" xmlns:a16="http://schemas.microsoft.com/office/drawing/2014/main" id="{61688370-0835-1A2D-7CA8-1C9DFD0F6BFB}"/>
               </a:ext>
             </a:extLst>
           </p:cNvPr>
@@ -4865,8 +4096,8 @@
         </p:blipFill>
         <p:spPr>
           <a:xfrm>
-            <a:off x="1056572" y="1690688"/>
-            <a:ext cx="5039428" cy="4086795"/>
+            <a:off x="490728" y="1380003"/>
+            <a:ext cx="10515600" cy="2974869"/>
           </a:xfrm>
         </p:spPr>
       </p:pic>
@@ -4875,7 +4106,7 @@
           <p:cNvPr id="6" name="TextBox 5">
             <a:extLst>
               <a:ext uri="{FF2B5EF4-FFF2-40B4-BE49-F238E27FC236}">
-                <a16:creationId xmlns:a16="http://schemas.microsoft.com/office/drawing/2014/main" xmlns="" id="{53DD2A6E-2BBC-A2FD-DE94-659A552A1BAC}"/>
+                <a16:creationId xmlns="" xmlns:a16="http://schemas.microsoft.com/office/drawing/2014/main" id="{5054B45E-E85A-9ED6-E60E-88647A84E78A}"/>
               </a:ext>
             </a:extLst>
           </p:cNvPr>
@@ -4884,8 +4115,8 @@
         </p:nvSpPr>
         <p:spPr>
           <a:xfrm>
-            <a:off x="6477383" y="1780066"/>
-            <a:ext cx="5181703" cy="923330"/>
+            <a:off x="1267968" y="4354872"/>
+            <a:ext cx="10085832" cy="646331"/>
           </a:xfrm>
           <a:prstGeom prst="rect">
             <a:avLst/>
@@ -4899,27 +4130,16 @@
           <a:lstStyle/>
           <a:p>
             <a:r>
-              <a:rPr lang="en-US" dirty="0">
-                <a:sym typeface="Wingdings"/>
-              </a:rPr>
-              <a:t>There is no identifiable pattern between the leading economies in producing electricity from Coal</a:t>
-            </a:r>
-          </a:p>
-          <a:p>
-            <a:r>
-              <a:rPr lang="en-US" dirty="0">
-                <a:sym typeface="Wingdings"/>
-              </a:rPr>
-              <a:t>Germany and China are negatively correlated.</a:t>
-            </a:r>
-            <a:endParaRPr lang="en-US" dirty="0"/>
+              <a:rPr lang="en-US" dirty="0"/>
+              <a:t>Germany produced 25% of its electricity from renewable sources (excluding hydroelectric) – which is the highest in any of the leading economies in the region</a:t>
+            </a:r>
           </a:p>
         </p:txBody>
       </p:sp>
     </p:spTree>
     <p:extLst>
       <p:ext uri="{BB962C8B-B14F-4D97-AF65-F5344CB8AC3E}">
-        <p14:creationId xmlns:p14="http://schemas.microsoft.com/office/powerpoint/2010/main" val="3910349544"/>
+        <p14:creationId xmlns:p14="http://schemas.microsoft.com/office/powerpoint/2010/main" val="1897080493"/>
       </p:ext>
     </p:extLst>
   </p:cSld>
@@ -4951,7 +4171,7 @@
           <p:cNvPr id="2" name="Title 1">
             <a:extLst>
               <a:ext uri="{FF2B5EF4-FFF2-40B4-BE49-F238E27FC236}">
-                <a16:creationId xmlns:a16="http://schemas.microsoft.com/office/drawing/2014/main" xmlns="" id="{C1D2A1DF-BC90-8BED-2FAE-B13F5C43BA6A}"/>
+                <a16:creationId xmlns="" xmlns:a16="http://schemas.microsoft.com/office/drawing/2014/main" id="{9A01438F-D8BF-A3F0-C070-4D98E0990920}"/>
               </a:ext>
             </a:extLst>
           </p:cNvPr>
@@ -4969,7 +4189,7 @@
           <a:p>
             <a:r>
               <a:rPr lang="en-US" dirty="0"/>
-              <a:t>Green Countries</a:t>
+              <a:t>Is there a race amongst the leading economies</a:t>
             </a:r>
           </a:p>
         </p:txBody>
@@ -4979,7 +4199,7 @@
           <p:cNvPr id="5" name="Content Placeholder 4">
             <a:extLst>
               <a:ext uri="{FF2B5EF4-FFF2-40B4-BE49-F238E27FC236}">
-                <a16:creationId xmlns:a16="http://schemas.microsoft.com/office/drawing/2014/main" xmlns="" id="{E07E33C6-F02F-3922-3B31-4633B1309B12}"/>
+                <a16:creationId xmlns="" xmlns:a16="http://schemas.microsoft.com/office/drawing/2014/main" id="{9268D554-C87F-2D24-B31B-BBA0CEA7A40E}"/>
               </a:ext>
             </a:extLst>
           </p:cNvPr>
@@ -4998,8 +4218,8 @@
         </p:blipFill>
         <p:spPr>
           <a:xfrm>
-            <a:off x="956593" y="1644968"/>
-            <a:ext cx="6858957" cy="2962688"/>
+            <a:off x="1056572" y="1690688"/>
+            <a:ext cx="5039428" cy="4086795"/>
           </a:xfrm>
         </p:spPr>
       </p:pic>
@@ -5008,7 +4228,7 @@
           <p:cNvPr id="6" name="TextBox 5">
             <a:extLst>
               <a:ext uri="{FF2B5EF4-FFF2-40B4-BE49-F238E27FC236}">
-                <a16:creationId xmlns:a16="http://schemas.microsoft.com/office/drawing/2014/main" xmlns="" id="{96D5737B-FDC3-2C55-2360-FF9EB1E77B9E}"/>
+                <a16:creationId xmlns="" xmlns:a16="http://schemas.microsoft.com/office/drawing/2014/main" id="{53DD2A6E-2BBC-A2FD-DE94-659A552A1BAC}"/>
               </a:ext>
             </a:extLst>
           </p:cNvPr>
@@ -5017,8 +4237,8 @@
         </p:nvSpPr>
         <p:spPr>
           <a:xfrm>
-            <a:off x="1375031" y="4751367"/>
-            <a:ext cx="5181703" cy="1200329"/>
+            <a:off x="6477383" y="1780066"/>
+            <a:ext cx="5181703" cy="923330"/>
           </a:xfrm>
           <a:prstGeom prst="rect">
             <a:avLst/>
@@ -5035,7 +4255,15 @@
               <a:rPr lang="en-US" dirty="0">
                 <a:sym typeface="Wingdings"/>
               </a:rPr>
-              <a:t>From a percentage standpoint, smaller countries have shown promise and increasing the electricity production from renewable resources from anywhere between 10-22% to 18-65%</a:t>
+              <a:t>There is no identifiable pattern between the leading economies in producing electricity from Coal</a:t>
+            </a:r>
+          </a:p>
+          <a:p>
+            <a:r>
+              <a:rPr lang="en-US" dirty="0">
+                <a:sym typeface="Wingdings"/>
+              </a:rPr>
+              <a:t>Germany and China are negatively correlated.</a:t>
             </a:r>
             <a:endParaRPr lang="en-US" dirty="0"/>
           </a:p>
@@ -5044,7 +4272,7 @@
     </p:spTree>
     <p:extLst>
       <p:ext uri="{BB962C8B-B14F-4D97-AF65-F5344CB8AC3E}">
-        <p14:creationId xmlns:p14="http://schemas.microsoft.com/office/powerpoint/2010/main" val="306366479"/>
+        <p14:creationId xmlns:p14="http://schemas.microsoft.com/office/powerpoint/2010/main" val="3910349544"/>
       </p:ext>
     </p:extLst>
   </p:cSld>
@@ -5076,7 +4304,132 @@
           <p:cNvPr id="2" name="Title 1">
             <a:extLst>
               <a:ext uri="{FF2B5EF4-FFF2-40B4-BE49-F238E27FC236}">
-                <a16:creationId xmlns:a16="http://schemas.microsoft.com/office/drawing/2014/main" xmlns="" id="{DD92997F-4612-41BB-B3F1-CB12192478D1}"/>
+                <a16:creationId xmlns="" xmlns:a16="http://schemas.microsoft.com/office/drawing/2014/main" id="{C1D2A1DF-BC90-8BED-2FAE-B13F5C43BA6A}"/>
+              </a:ext>
+            </a:extLst>
+          </p:cNvPr>
+          <p:cNvSpPr>
+            <a:spLocks noGrp="1"/>
+          </p:cNvSpPr>
+          <p:nvPr>
+            <p:ph type="title"/>
+          </p:nvPr>
+        </p:nvSpPr>
+        <p:spPr/>
+        <p:txBody>
+          <a:bodyPr/>
+          <a:lstStyle/>
+          <a:p>
+            <a:r>
+              <a:rPr lang="en-US" dirty="0"/>
+              <a:t>Green Countries</a:t>
+            </a:r>
+          </a:p>
+        </p:txBody>
+      </p:sp>
+      <p:pic>
+        <p:nvPicPr>
+          <p:cNvPr id="5" name="Content Placeholder 4">
+            <a:extLst>
+              <a:ext uri="{FF2B5EF4-FFF2-40B4-BE49-F238E27FC236}">
+                <a16:creationId xmlns="" xmlns:a16="http://schemas.microsoft.com/office/drawing/2014/main" id="{E07E33C6-F02F-3922-3B31-4633B1309B12}"/>
+              </a:ext>
+            </a:extLst>
+          </p:cNvPr>
+          <p:cNvPicPr>
+            <a:picLocks noGrp="1" noChangeAspect="1"/>
+          </p:cNvPicPr>
+          <p:nvPr>
+            <p:ph idx="1"/>
+          </p:nvPr>
+        </p:nvPicPr>
+        <p:blipFill>
+          <a:blip r:embed="rId2"/>
+          <a:stretch>
+            <a:fillRect/>
+          </a:stretch>
+        </p:blipFill>
+        <p:spPr>
+          <a:xfrm>
+            <a:off x="956593" y="1644968"/>
+            <a:ext cx="6858957" cy="2962688"/>
+          </a:xfrm>
+        </p:spPr>
+      </p:pic>
+      <p:sp>
+        <p:nvSpPr>
+          <p:cNvPr id="6" name="TextBox 5">
+            <a:extLst>
+              <a:ext uri="{FF2B5EF4-FFF2-40B4-BE49-F238E27FC236}">
+                <a16:creationId xmlns="" xmlns:a16="http://schemas.microsoft.com/office/drawing/2014/main" id="{96D5737B-FDC3-2C55-2360-FF9EB1E77B9E}"/>
+              </a:ext>
+            </a:extLst>
+          </p:cNvPr>
+          <p:cNvSpPr txBox="1"/>
+          <p:nvPr/>
+        </p:nvSpPr>
+        <p:spPr>
+          <a:xfrm>
+            <a:off x="1375031" y="4751367"/>
+            <a:ext cx="5181703" cy="1200329"/>
+          </a:xfrm>
+          <a:prstGeom prst="rect">
+            <a:avLst/>
+          </a:prstGeom>
+          <a:noFill/>
+        </p:spPr>
+        <p:txBody>
+          <a:bodyPr wrap="square" rtlCol="0">
+            <a:spAutoFit/>
+          </a:bodyPr>
+          <a:lstStyle/>
+          <a:p>
+            <a:r>
+              <a:rPr lang="en-US" dirty="0">
+                <a:sym typeface="Wingdings"/>
+              </a:rPr>
+              <a:t>From a percentage standpoint, smaller countries have shown promise and increasing the electricity production from renewable resources from anywhere between 10-22% to 18-65%</a:t>
+            </a:r>
+            <a:endParaRPr lang="en-US" dirty="0"/>
+          </a:p>
+        </p:txBody>
+      </p:sp>
+    </p:spTree>
+    <p:extLst>
+      <p:ext uri="{BB962C8B-B14F-4D97-AF65-F5344CB8AC3E}">
+        <p14:creationId xmlns:p14="http://schemas.microsoft.com/office/powerpoint/2010/main" val="306366479"/>
+      </p:ext>
+    </p:extLst>
+  </p:cSld>
+  <p:clrMapOvr>
+    <a:masterClrMapping/>
+  </p:clrMapOvr>
+</p:sld>
+</file>
+
+<file path=ppt/slides/slide6.xml><?xml version="1.0" encoding="utf-8"?>
+<p:sld xmlns:a="http://schemas.openxmlformats.org/drawingml/2006/main" xmlns:r="http://schemas.openxmlformats.org/officeDocument/2006/relationships" xmlns:p="http://schemas.openxmlformats.org/presentationml/2006/main">
+  <p:cSld>
+    <p:spTree>
+      <p:nvGrpSpPr>
+        <p:cNvPr id="1" name=""/>
+        <p:cNvGrpSpPr/>
+        <p:nvPr/>
+      </p:nvGrpSpPr>
+      <p:grpSpPr>
+        <a:xfrm>
+          <a:off x="0" y="0"/>
+          <a:ext cx="0" cy="0"/>
+          <a:chOff x="0" y="0"/>
+          <a:chExt cx="0" cy="0"/>
+        </a:xfrm>
+      </p:grpSpPr>
+      <p:sp>
+        <p:nvSpPr>
+          <p:cNvPr id="2" name="Title 1">
+            <a:extLst>
+              <a:ext uri="{FF2B5EF4-FFF2-40B4-BE49-F238E27FC236}">
+                <a16:creationId xmlns="" xmlns:a16="http://schemas.microsoft.com/office/drawing/2014/main" id="{DD92997F-4612-41BB-B3F1-CB12192478D1}"/>
               </a:ext>
             </a:extLst>
           </p:cNvPr>
@@ -5112,7 +4465,7 @@
           <p:cNvPr id="4" name="Text Placeholder 3">
             <a:extLst>
               <a:ext uri="{FF2B5EF4-FFF2-40B4-BE49-F238E27FC236}">
-                <a16:creationId xmlns:a16="http://schemas.microsoft.com/office/drawing/2014/main" xmlns="" id="{FCF45F55-FD9E-4847-91CD-03D480E2B1E1}"/>
+                <a16:creationId xmlns="" xmlns:a16="http://schemas.microsoft.com/office/drawing/2014/main" id="{FCF45F55-FD9E-4847-91CD-03D480E2B1E1}"/>
               </a:ext>
             </a:extLst>
           </p:cNvPr>
@@ -5176,11 +4529,7 @@
             </a:pPr>
             <a:r>
               <a:rPr lang="en-US" dirty="0" smtClean="0"/>
-              <a:t>Germany has the lowest growth trend </a:t>
-            </a:r>
-            <a:r>
-              <a:rPr lang="en-US" dirty="0" smtClean="0"/>
-              <a:t>in the period.</a:t>
+              <a:t>Germany has the lowest growth trend in the period.</a:t>
             </a:r>
             <a:endParaRPr lang="en-US" dirty="0"/>
           </a:p>
@@ -5228,7 +4577,7 @@
 </p:sld>
 </file>
 
-<file path=ppt/slides/slide6.xml><?xml version="1.0" encoding="utf-8"?>
+<file path=ppt/slides/slide7.xml><?xml version="1.0" encoding="utf-8"?>
 <p:sld xmlns:a="http://schemas.openxmlformats.org/drawingml/2006/main" xmlns:r="http://schemas.openxmlformats.org/officeDocument/2006/relationships" xmlns:p="http://schemas.openxmlformats.org/presentationml/2006/main">
   <p:cSld>
     <p:spTree>
@@ -5250,7 +4599,7 @@
           <p:cNvPr id="2" name="Title 1">
             <a:extLst>
               <a:ext uri="{FF2B5EF4-FFF2-40B4-BE49-F238E27FC236}">
-                <a16:creationId xmlns:a16="http://schemas.microsoft.com/office/drawing/2014/main" xmlns="" id="{DD92997F-4612-41BB-B3F1-CB12192478D1}"/>
+                <a16:creationId xmlns="" xmlns:a16="http://schemas.microsoft.com/office/drawing/2014/main" id="{DD92997F-4612-41BB-B3F1-CB12192478D1}"/>
               </a:ext>
             </a:extLst>
           </p:cNvPr>
@@ -5286,7 +4635,7 @@
           <p:cNvPr id="4" name="Text Placeholder 3">
             <a:extLst>
               <a:ext uri="{FF2B5EF4-FFF2-40B4-BE49-F238E27FC236}">
-                <a16:creationId xmlns:a16="http://schemas.microsoft.com/office/drawing/2014/main" xmlns="" id="{FCF45F55-FD9E-4847-91CD-03D480E2B1E1}"/>
+                <a16:creationId xmlns="" xmlns:a16="http://schemas.microsoft.com/office/drawing/2014/main" id="{FCF45F55-FD9E-4847-91CD-03D480E2B1E1}"/>
               </a:ext>
             </a:extLst>
           </p:cNvPr>
@@ -5375,11 +4724,7 @@
             </a:r>
             <a:r>
               <a:rPr lang="en-US" sz="1800" dirty="0"/>
-              <a:t>between 1982 and 1992 </a:t>
-            </a:r>
-            <a:r>
-              <a:rPr lang="en-US" sz="1800" dirty="0"/>
-              <a:t>.</a:t>
+              <a:t>between 1982 and 1992 .</a:t>
             </a:r>
             <a:endParaRPr lang="en-US" sz="1800" dirty="0" smtClean="0"/>
           </a:p>
@@ -5446,199 +4791,6 @@
 </p:sld>
 </file>
 
-<file path=ppt/slides/slide7.xml><?xml version="1.0" encoding="utf-8"?>
-<p:sld xmlns:a="http://schemas.openxmlformats.org/drawingml/2006/main" xmlns:r="http://schemas.openxmlformats.org/officeDocument/2006/relationships" xmlns:p="http://schemas.openxmlformats.org/presentationml/2006/main">
-  <p:cSld>
-    <p:spTree>
-      <p:nvGrpSpPr>
-        <p:cNvPr id="1" name=""/>
-        <p:cNvGrpSpPr/>
-        <p:nvPr/>
-      </p:nvGrpSpPr>
-      <p:grpSpPr>
-        <a:xfrm>
-          <a:off x="0" y="0"/>
-          <a:ext cx="0" cy="0"/>
-          <a:chOff x="0" y="0"/>
-          <a:chExt cx="0" cy="0"/>
-        </a:xfrm>
-      </p:grpSpPr>
-      <p:sp>
-        <p:nvSpPr>
-          <p:cNvPr id="2" name="Title 1">
-            <a:extLst>
-              <a:ext uri="{FF2B5EF4-FFF2-40B4-BE49-F238E27FC236}">
-                <a16:creationId xmlns:a16="http://schemas.microsoft.com/office/drawing/2014/main" xmlns="" id="{32DF5D79-C803-4CF4-92C7-5C41434DB97F}"/>
-              </a:ext>
-            </a:extLst>
-          </p:cNvPr>
-          <p:cNvSpPr>
-            <a:spLocks noGrp="1"/>
-          </p:cNvSpPr>
-          <p:nvPr>
-            <p:ph type="title"/>
-          </p:nvPr>
-        </p:nvSpPr>
-        <p:spPr>
-          <a:xfrm>
-            <a:off x="617220" y="182880"/>
-            <a:ext cx="8069580" cy="804545"/>
-          </a:xfrm>
-        </p:spPr>
-        <p:txBody>
-          <a:bodyPr>
-            <a:normAutofit/>
-          </a:bodyPr>
-          <a:lstStyle/>
-          <a:p>
-            <a:r>
-              <a:rPr lang="en-US" dirty="0" smtClean="0"/>
-              <a:t>Australia </a:t>
-            </a:r>
-            <a:r>
-              <a:rPr lang="en-US" dirty="0" err="1" smtClean="0"/>
-              <a:t>Agric</a:t>
-            </a:r>
-            <a:r>
-              <a:rPr lang="en-US" dirty="0" smtClean="0"/>
-              <a:t> Land Vs Food Production </a:t>
-            </a:r>
-            <a:endParaRPr lang="en-US" dirty="0"/>
-          </a:p>
-        </p:txBody>
-      </p:sp>
-      <p:sp>
-        <p:nvSpPr>
-          <p:cNvPr id="4" name="Text Placeholder 3">
-            <a:extLst>
-              <a:ext uri="{FF2B5EF4-FFF2-40B4-BE49-F238E27FC236}">
-                <a16:creationId xmlns:a16="http://schemas.microsoft.com/office/drawing/2014/main" xmlns="" id="{AA239697-32DC-4CC1-85ED-AD4C1AB65CC7}"/>
-              </a:ext>
-            </a:extLst>
-          </p:cNvPr>
-          <p:cNvSpPr>
-            <a:spLocks noGrp="1"/>
-          </p:cNvSpPr>
-          <p:nvPr>
-            <p:ph type="body" sz="half" idx="2"/>
-          </p:nvPr>
-        </p:nvSpPr>
-        <p:spPr>
-          <a:xfrm flipH="1">
-            <a:off x="7458887" y="3813266"/>
-            <a:ext cx="4314012" cy="2151017"/>
-          </a:xfrm>
-        </p:spPr>
-        <p:txBody>
-          <a:bodyPr>
-            <a:normAutofit/>
-          </a:bodyPr>
-          <a:lstStyle/>
-          <a:p>
-            <a:endParaRPr lang="en-US" dirty="0"/>
-          </a:p>
-          <a:p>
-            <a:r>
-              <a:rPr lang="en-US" dirty="0" smtClean="0"/>
-              <a:t>The magnitude </a:t>
-            </a:r>
-            <a:r>
-              <a:rPr lang="en-US" dirty="0"/>
-              <a:t>of the changes in Australia's 5 year rolling daily food production values vs. the market agriculture land area did not remain constant over time</a:t>
-            </a:r>
-            <a:r>
-              <a:rPr lang="en-US" dirty="0" smtClean="0"/>
-              <a:t>.</a:t>
-            </a:r>
-          </a:p>
-          <a:p>
-            <a:r>
-              <a:rPr lang="en-US" dirty="0" smtClean="0"/>
-              <a:t> </a:t>
-            </a:r>
-            <a:r>
-              <a:rPr lang="en-US" dirty="0"/>
-              <a:t>Specifically, after 2003 there is no apparent relationship between the agriculture land area and the food production levels.</a:t>
-            </a:r>
-            <a:endParaRPr lang="en-US" dirty="0"/>
-          </a:p>
-          <a:p>
-            <a:endParaRPr lang="en-US" dirty="0"/>
-          </a:p>
-          <a:p>
-            <a:endParaRPr lang="en-US" dirty="0"/>
-          </a:p>
-          <a:p>
-            <a:endParaRPr lang="en-US" dirty="0"/>
-          </a:p>
-        </p:txBody>
-      </p:sp>
-      <p:pic>
-        <p:nvPicPr>
-          <p:cNvPr id="5" name="Picture 4"/>
-          <p:cNvPicPr>
-            <a:picLocks noChangeAspect="1"/>
-          </p:cNvPicPr>
-          <p:nvPr/>
-        </p:nvPicPr>
-        <p:blipFill>
-          <a:blip r:embed="rId2"/>
-          <a:stretch>
-            <a:fillRect/>
-          </a:stretch>
-        </p:blipFill>
-        <p:spPr>
-          <a:xfrm>
-            <a:off x="209005" y="1390175"/>
-            <a:ext cx="6740435" cy="3800134"/>
-          </a:xfrm>
-          <a:prstGeom prst="rect">
-            <a:avLst/>
-          </a:prstGeom>
-          <a:ln w="6350">
-            <a:solidFill>
-              <a:schemeClr val="tx1"/>
-            </a:solidFill>
-          </a:ln>
-        </p:spPr>
-      </p:pic>
-      <p:pic>
-        <p:nvPicPr>
-          <p:cNvPr id="7" name="Picture 6"/>
-          <p:cNvPicPr>
-            <a:picLocks noChangeAspect="1"/>
-          </p:cNvPicPr>
-          <p:nvPr/>
-        </p:nvPicPr>
-        <p:blipFill>
-          <a:blip r:embed="rId3"/>
-          <a:stretch>
-            <a:fillRect/>
-          </a:stretch>
-        </p:blipFill>
-        <p:spPr>
-          <a:xfrm>
-            <a:off x="7322820" y="713105"/>
-            <a:ext cx="4290060" cy="2924175"/>
-          </a:xfrm>
-          <a:prstGeom prst="rect">
-            <a:avLst/>
-          </a:prstGeom>
-        </p:spPr>
-      </p:pic>
-    </p:spTree>
-    <p:extLst>
-      <p:ext uri="{BB962C8B-B14F-4D97-AF65-F5344CB8AC3E}">
-        <p14:creationId xmlns:p14="http://schemas.microsoft.com/office/powerpoint/2010/main" val="308385433"/>
-      </p:ext>
-    </p:extLst>
-  </p:cSld>
-  <p:clrMapOvr>
-    <a:masterClrMapping/>
-  </p:clrMapOvr>
-</p:sld>
-</file>
-
 <file path=ppt/slides/slide8.xml><?xml version="1.0" encoding="utf-8"?>
 <p:sld xmlns:a="http://schemas.openxmlformats.org/drawingml/2006/main" xmlns:r="http://schemas.openxmlformats.org/officeDocument/2006/relationships" xmlns:p="http://schemas.openxmlformats.org/presentationml/2006/main">
   <p:cSld>
@@ -5661,7 +4813,7 @@
           <p:cNvPr id="2" name="Title 1">
             <a:extLst>
               <a:ext uri="{FF2B5EF4-FFF2-40B4-BE49-F238E27FC236}">
-                <a16:creationId xmlns:a16="http://schemas.microsoft.com/office/drawing/2014/main" xmlns="" id="{32DF5D79-C803-4CF4-92C7-5C41434DB97F}"/>
+                <a16:creationId xmlns="" xmlns:a16="http://schemas.microsoft.com/office/drawing/2014/main" id="{32DF5D79-C803-4CF4-92C7-5C41434DB97F}"/>
               </a:ext>
             </a:extLst>
           </p:cNvPr>
@@ -5710,7 +4862,7 @@
           <p:cNvPr id="4" name="Text Placeholder 3">
             <a:extLst>
               <a:ext uri="{FF2B5EF4-FFF2-40B4-BE49-F238E27FC236}">
-                <a16:creationId xmlns:a16="http://schemas.microsoft.com/office/drawing/2014/main" xmlns="" id="{AA239697-32DC-4CC1-85ED-AD4C1AB65CC7}"/>
+                <a16:creationId xmlns="" xmlns:a16="http://schemas.microsoft.com/office/drawing/2014/main" id="{AA239697-32DC-4CC1-85ED-AD4C1AB65CC7}"/>
               </a:ext>
             </a:extLst>
           </p:cNvPr>
@@ -5889,7 +5041,7 @@
           <p:cNvPr id="2" name="Title 1">
             <a:extLst>
               <a:ext uri="{FF2B5EF4-FFF2-40B4-BE49-F238E27FC236}">
-                <a16:creationId xmlns:a16="http://schemas.microsoft.com/office/drawing/2014/main" xmlns="" id="{32DF5D79-C803-4CF4-92C7-5C41434DB97F}"/>
+                <a16:creationId xmlns="" xmlns:a16="http://schemas.microsoft.com/office/drawing/2014/main" id="{32DF5D79-C803-4CF4-92C7-5C41434DB97F}"/>
               </a:ext>
             </a:extLst>
           </p:cNvPr>
@@ -5919,7 +5071,7 @@
           <a:p>
             <a:r>
               <a:rPr lang="en-US" dirty="0" smtClean="0"/>
-              <a:t>China </a:t>
+              <a:t>Nigeria </a:t>
             </a:r>
             <a:r>
               <a:rPr lang="en-US" dirty="0" err="1" smtClean="0"/>
@@ -5938,7 +5090,7 @@
           <p:cNvPr id="4" name="Text Placeholder 3">
             <a:extLst>
               <a:ext uri="{FF2B5EF4-FFF2-40B4-BE49-F238E27FC236}">
-                <a16:creationId xmlns:a16="http://schemas.microsoft.com/office/drawing/2014/main" xmlns="" id="{AA239697-32DC-4CC1-85ED-AD4C1AB65CC7}"/>
+                <a16:creationId xmlns="" xmlns:a16="http://schemas.microsoft.com/office/drawing/2014/main" id="{AA239697-32DC-4CC1-85ED-AD4C1AB65CC7}"/>
               </a:ext>
             </a:extLst>
           </p:cNvPr>
@@ -5964,41 +5116,52 @@
             <a:endParaRPr lang="en-US" dirty="0"/>
           </a:p>
           <a:p>
+            <a:pPr marL="285750" indent="-285750">
+              <a:buFont typeface="Arial" panose="020B0604020202020204" pitchFamily="34" charset="0"/>
+              <a:buChar char="•"/>
+            </a:pPr>
             <a:r>
               <a:rPr lang="en-US" dirty="0" smtClean="0"/>
-              <a:t>China exhibited some </a:t>
+              <a:t>Nigeria </a:t>
             </a:r>
             <a:r>
               <a:rPr lang="en-US" dirty="0"/>
-              <a:t>strong positive correlation between the agriculture land area and the food production levels </a:t>
+              <a:t> </a:t>
             </a:r>
             <a:r>
               <a:rPr lang="en-US" dirty="0" smtClean="0"/>
-              <a:t>up </a:t>
+              <a:t>Food </a:t>
             </a:r>
             <a:r>
               <a:rPr lang="en-US" dirty="0"/>
-              <a:t>to 1997 but the correlation </a:t>
-            </a:r>
-            <a:r>
-              <a:rPr lang="en-US" dirty="0" smtClean="0"/>
-              <a:t>grew </a:t>
-            </a:r>
-            <a:r>
-              <a:rPr lang="en-US" dirty="0"/>
-              <a:t>weaker during the later years of the review</a:t>
+              <a:t>production index was below the agriculture land area up 2003 when this trend reversed</a:t>
             </a:r>
             <a:r>
               <a:rPr lang="en-US" dirty="0" smtClean="0"/>
               <a:t>.</a:t>
             </a:r>
-            <a:endParaRPr lang="en-US" dirty="0"/>
-          </a:p>
-          <a:p>
-            <a:endParaRPr lang="en-US" dirty="0"/>
-          </a:p>
-          <a:p>
-            <a:endParaRPr lang="en-US" dirty="0"/>
+          </a:p>
+          <a:p>
+            <a:pPr marL="285750" indent="-285750">
+              <a:buFont typeface="Arial" panose="020B0604020202020204" pitchFamily="34" charset="0"/>
+              <a:buChar char="•"/>
+            </a:pPr>
+            <a:r>
+              <a:rPr lang="en-US" dirty="0" smtClean="0"/>
+              <a:t>Strong </a:t>
+            </a:r>
+            <a:r>
+              <a:rPr lang="en-US" dirty="0"/>
+              <a:t>positive </a:t>
+            </a:r>
+            <a:r>
+              <a:rPr lang="en-US" dirty="0" smtClean="0"/>
+              <a:t>relationship </a:t>
+            </a:r>
+            <a:r>
+              <a:rPr lang="en-US" dirty="0"/>
+              <a:t>between Food production value and agriculture land area for Nigeria. </a:t>
+            </a:r>
           </a:p>
         </p:txBody>
       </p:sp>
@@ -6018,12 +5181,17 @@
         </p:blipFill>
         <p:spPr>
           <a:xfrm>
-            <a:off x="893763" y="1295400"/>
-            <a:ext cx="6383338" cy="4267200"/>
+            <a:off x="947738" y="1163637"/>
+            <a:ext cx="6297614" cy="4314825"/>
           </a:xfrm>
           <a:prstGeom prst="rect">
             <a:avLst/>
           </a:prstGeom>
+          <a:ln w="6350">
+            <a:solidFill>
+              <a:schemeClr val="tx1"/>
+            </a:solidFill>
+          </a:ln>
         </p:spPr>
       </p:pic>
       <p:pic>
@@ -6042,18 +5210,23 @@
         </p:blipFill>
         <p:spPr>
           <a:xfrm>
-            <a:off x="7458887" y="1042987"/>
-            <a:ext cx="4402913" cy="2828925"/>
+            <a:off x="7581900" y="1055687"/>
+            <a:ext cx="4190999" cy="3057525"/>
           </a:xfrm>
           <a:prstGeom prst="rect">
             <a:avLst/>
           </a:prstGeom>
+          <a:ln w="3175">
+            <a:solidFill>
+              <a:schemeClr val="tx1"/>
+            </a:solidFill>
+          </a:ln>
         </p:spPr>
       </p:pic>
     </p:spTree>
     <p:extLst>
       <p:ext uri="{BB962C8B-B14F-4D97-AF65-F5344CB8AC3E}">
-        <p14:creationId xmlns:p14="http://schemas.microsoft.com/office/powerpoint/2010/main" val="2153450774"/>
+        <p14:creationId xmlns:p14="http://schemas.microsoft.com/office/powerpoint/2010/main" val="3208528256"/>
       </p:ext>
     </p:extLst>
   </p:cSld>
